--- a/删除234树排演.pptx
+++ b/删除234树排演.pptx
@@ -2930,1710 +2930,14 @@
       <p:grpSpPr/>
       <p:sp>
         <p:nvSpPr>
-          <p:cNvPr id="4" name="椭圆 3"/>
-          <p:cNvSpPr/>
-          <p:nvPr/>
-        </p:nvSpPr>
-        <p:spPr>
-          <a:xfrm>
-            <a:off x="880745" y="1950720"/>
-            <a:ext cx="512445" cy="522605"/>
-          </a:xfrm>
-          <a:prstGeom prst="ellipse">
-            <a:avLst/>
-          </a:prstGeom>
-        </p:spPr>
-        <p:style>
-          <a:lnRef idx="2">
-            <a:schemeClr val="dk1">
-              <a:shade val="50000"/>
-            </a:schemeClr>
-          </a:lnRef>
-          <a:fillRef idx="1">
-            <a:schemeClr val="dk1"/>
-          </a:fillRef>
-          <a:effectRef idx="0">
-            <a:schemeClr val="dk1"/>
-          </a:effectRef>
-          <a:fontRef idx="minor">
-            <a:schemeClr val="lt1"/>
-          </a:fontRef>
-        </p:style>
-        <p:txBody>
-          <a:bodyPr lIns="0" tIns="0" rIns="0" bIns="0" rtlCol="0" anchor="ctr"/>
-          <a:p>
-            <a:pPr algn="ctr"/>
-            <a:r>
-              <a:rPr lang="en-US" altLang="zh-CN" sz="2800"/>
-              <a:t>40</a:t>
-            </a:r>
-            <a:endParaRPr lang="en-US" altLang="zh-CN" sz="2800"/>
-          </a:p>
-        </p:txBody>
-      </p:sp>
-      <p:sp>
-        <p:nvSpPr>
-          <p:cNvPr id="5" name="椭圆 4"/>
-          <p:cNvSpPr/>
-          <p:nvPr/>
-        </p:nvSpPr>
-        <p:spPr>
-          <a:xfrm>
-            <a:off x="1864995" y="1048385"/>
-            <a:ext cx="512445" cy="522605"/>
-          </a:xfrm>
-          <a:prstGeom prst="ellipse">
-            <a:avLst/>
-          </a:prstGeom>
-        </p:spPr>
-        <p:style>
-          <a:lnRef idx="2">
-            <a:schemeClr val="accent2">
-              <a:shade val="50000"/>
-            </a:schemeClr>
-          </a:lnRef>
-          <a:fillRef idx="1">
-            <a:schemeClr val="accent2"/>
-          </a:fillRef>
-          <a:effectRef idx="0">
-            <a:schemeClr val="accent2"/>
-          </a:effectRef>
-          <a:fontRef idx="minor">
-            <a:schemeClr val="lt1"/>
-          </a:fontRef>
-        </p:style>
-        <p:txBody>
-          <a:bodyPr lIns="0" tIns="0" rIns="0" bIns="0" rtlCol="0" anchor="ctr"/>
-          <a:p>
-            <a:pPr algn="ctr"/>
-            <a:r>
-              <a:rPr lang="en-US" altLang="zh-CN" sz="2800"/>
-              <a:t>50</a:t>
-            </a:r>
-            <a:endParaRPr lang="en-US" altLang="zh-CN" sz="2800"/>
-          </a:p>
-        </p:txBody>
-      </p:sp>
-      <p:sp>
-        <p:nvSpPr>
-          <p:cNvPr id="6" name="椭圆 5"/>
-          <p:cNvSpPr/>
-          <p:nvPr/>
-        </p:nvSpPr>
-        <p:spPr>
-          <a:xfrm>
-            <a:off x="3244215" y="2128520"/>
-            <a:ext cx="512445" cy="522605"/>
-          </a:xfrm>
-          <a:prstGeom prst="ellipse">
-            <a:avLst/>
-          </a:prstGeom>
-        </p:spPr>
-        <p:style>
-          <a:lnRef idx="1">
-            <a:schemeClr val="dk1"/>
-          </a:lnRef>
-          <a:fillRef idx="2">
-            <a:schemeClr val="dk1"/>
-          </a:fillRef>
-          <a:effectRef idx="1">
-            <a:schemeClr val="dk1"/>
-          </a:effectRef>
-          <a:fontRef idx="minor">
-            <a:schemeClr val="dk1"/>
-          </a:fontRef>
-        </p:style>
-        <p:txBody>
-          <a:bodyPr lIns="0" tIns="0" rIns="0" bIns="0" rtlCol="0" anchor="ctr"/>
-          <a:p>
-            <a:pPr algn="ctr"/>
-            <a:r>
-              <a:rPr lang="en-US" altLang="zh-CN" sz="2800"/>
-              <a:t>70</a:t>
-            </a:r>
-            <a:endParaRPr lang="en-US" altLang="zh-CN" sz="2800"/>
-          </a:p>
-        </p:txBody>
-      </p:sp>
-      <p:sp>
-        <p:nvSpPr>
-          <p:cNvPr id="7" name="椭圆 6"/>
-          <p:cNvSpPr/>
-          <p:nvPr/>
-        </p:nvSpPr>
-        <p:spPr>
-          <a:xfrm>
-            <a:off x="189230" y="3314065"/>
-            <a:ext cx="511810" cy="522605"/>
-          </a:xfrm>
-          <a:prstGeom prst="ellipse">
-            <a:avLst/>
-          </a:prstGeom>
-        </p:spPr>
-        <p:style>
-          <a:lnRef idx="2">
-            <a:schemeClr val="dk1"/>
-          </a:lnRef>
-          <a:fillRef idx="1">
-            <a:schemeClr val="lt1"/>
-          </a:fillRef>
-          <a:effectRef idx="0">
-            <a:schemeClr val="dk1"/>
-          </a:effectRef>
-          <a:fontRef idx="minor">
-            <a:schemeClr val="dk1"/>
-          </a:fontRef>
-        </p:style>
-        <p:txBody>
-          <a:bodyPr lIns="0" tIns="0" rIns="0" bIns="0" rtlCol="0" anchor="ctr"/>
-          <a:p>
-            <a:pPr algn="ctr"/>
-            <a:r>
-              <a:rPr lang="en-US" altLang="zh-CN" sz="2800"/>
-              <a:t> </a:t>
-            </a:r>
-            <a:endParaRPr lang="en-US" altLang="zh-CN" sz="2800"/>
-          </a:p>
-        </p:txBody>
-      </p:sp>
-      <p:sp>
-        <p:nvSpPr>
-          <p:cNvPr id="8" name="椭圆 7"/>
-          <p:cNvSpPr/>
-          <p:nvPr/>
-        </p:nvSpPr>
-        <p:spPr>
-          <a:xfrm>
-            <a:off x="1216025" y="3314065"/>
-            <a:ext cx="512445" cy="522605"/>
-          </a:xfrm>
-          <a:prstGeom prst="ellipse">
-            <a:avLst/>
-          </a:prstGeom>
-        </p:spPr>
-        <p:style>
-          <a:lnRef idx="2">
-            <a:schemeClr val="dk1"/>
-          </a:lnRef>
-          <a:fillRef idx="1">
-            <a:schemeClr val="lt1"/>
-          </a:fillRef>
-          <a:effectRef idx="0">
-            <a:schemeClr val="dk1"/>
-          </a:effectRef>
-          <a:fontRef idx="minor">
-            <a:schemeClr val="dk1"/>
-          </a:fontRef>
-        </p:style>
-        <p:txBody>
-          <a:bodyPr lIns="0" tIns="0" rIns="0" bIns="0" rtlCol="0" anchor="ctr"/>
-          <a:p>
-            <a:pPr algn="ctr"/>
-            <a:r>
-              <a:rPr lang="en-US" altLang="zh-CN" sz="2800"/>
-              <a:t> </a:t>
-            </a:r>
-            <a:endParaRPr lang="en-US" altLang="zh-CN" sz="2800"/>
-          </a:p>
-        </p:txBody>
-      </p:sp>
-      <p:sp>
-        <p:nvSpPr>
-          <p:cNvPr id="9" name="椭圆 8"/>
-          <p:cNvSpPr/>
-          <p:nvPr/>
-        </p:nvSpPr>
-        <p:spPr>
-          <a:xfrm>
-            <a:off x="2561590" y="3183255"/>
-            <a:ext cx="512445" cy="522605"/>
-          </a:xfrm>
-          <a:prstGeom prst="ellipse">
-            <a:avLst/>
-          </a:prstGeom>
-        </p:spPr>
-        <p:style>
-          <a:lnRef idx="1">
-            <a:schemeClr val="dk1"/>
-          </a:lnRef>
-          <a:fillRef idx="2">
-            <a:schemeClr val="dk1"/>
-          </a:fillRef>
-          <a:effectRef idx="1">
-            <a:schemeClr val="dk1"/>
-          </a:effectRef>
-          <a:fontRef idx="minor">
-            <a:schemeClr val="dk1"/>
-          </a:fontRef>
-        </p:style>
-        <p:txBody>
-          <a:bodyPr lIns="0" tIns="0" rIns="0" bIns="0" rtlCol="0" anchor="ctr"/>
-          <a:p>
-            <a:pPr algn="ctr"/>
-            <a:r>
-              <a:rPr lang="en-US" altLang="zh-CN" sz="2800"/>
-              <a:t>60</a:t>
-            </a:r>
-            <a:endParaRPr lang="en-US" altLang="zh-CN" sz="2800"/>
-          </a:p>
-        </p:txBody>
-      </p:sp>
-      <p:sp>
-        <p:nvSpPr>
-          <p:cNvPr id="10" name="椭圆 9"/>
-          <p:cNvSpPr/>
-          <p:nvPr/>
-        </p:nvSpPr>
-        <p:spPr>
-          <a:xfrm>
-            <a:off x="4228465" y="2982595"/>
-            <a:ext cx="512445" cy="522605"/>
-          </a:xfrm>
-          <a:prstGeom prst="ellipse">
-            <a:avLst/>
-          </a:prstGeom>
-        </p:spPr>
-        <p:style>
-          <a:lnRef idx="1">
-            <a:schemeClr val="dk1"/>
-          </a:lnRef>
-          <a:fillRef idx="2">
-            <a:schemeClr val="dk1"/>
-          </a:fillRef>
-          <a:effectRef idx="1">
-            <a:schemeClr val="dk1"/>
-          </a:effectRef>
-          <a:fontRef idx="minor">
-            <a:schemeClr val="dk1"/>
-          </a:fontRef>
-        </p:style>
-        <p:txBody>
-          <a:bodyPr lIns="0" tIns="0" rIns="0" bIns="0" rtlCol="0" anchor="ctr"/>
-          <a:p>
-            <a:pPr algn="ctr"/>
-            <a:r>
-              <a:rPr lang="en-US" altLang="zh-CN" sz="2800"/>
-              <a:t>80</a:t>
-            </a:r>
-            <a:endParaRPr lang="en-US" altLang="zh-CN" sz="2800"/>
-          </a:p>
-        </p:txBody>
-      </p:sp>
-      <p:sp>
-        <p:nvSpPr>
-          <p:cNvPr id="12" name="椭圆 11"/>
-          <p:cNvSpPr/>
-          <p:nvPr/>
-        </p:nvSpPr>
-        <p:spPr>
-          <a:xfrm>
-            <a:off x="2873375" y="4137025"/>
-            <a:ext cx="512445" cy="522605"/>
-          </a:xfrm>
-          <a:prstGeom prst="ellipse">
-            <a:avLst/>
-          </a:prstGeom>
-        </p:spPr>
-        <p:style>
-          <a:lnRef idx="2">
-            <a:schemeClr val="dk1"/>
-          </a:lnRef>
-          <a:fillRef idx="1">
-            <a:schemeClr val="lt1"/>
-          </a:fillRef>
-          <a:effectRef idx="0">
-            <a:schemeClr val="dk1"/>
-          </a:effectRef>
-          <a:fontRef idx="minor">
-            <a:schemeClr val="dk1"/>
-          </a:fontRef>
-        </p:style>
-        <p:txBody>
-          <a:bodyPr lIns="0" tIns="0" rIns="0" bIns="0" rtlCol="0" anchor="ctr"/>
-          <a:p>
-            <a:pPr algn="ctr"/>
-            <a:r>
-              <a:rPr lang="en-US" altLang="zh-CN" sz="2800"/>
-              <a:t> </a:t>
-            </a:r>
-            <a:endParaRPr lang="en-US" altLang="zh-CN" sz="2800"/>
-          </a:p>
-        </p:txBody>
-      </p:sp>
-      <p:sp>
-        <p:nvSpPr>
-          <p:cNvPr id="13" name="椭圆 12"/>
-          <p:cNvSpPr/>
-          <p:nvPr/>
-        </p:nvSpPr>
-        <p:spPr>
-          <a:xfrm>
-            <a:off x="3680460" y="4167505"/>
-            <a:ext cx="512445" cy="522605"/>
-          </a:xfrm>
-          <a:prstGeom prst="ellipse">
-            <a:avLst/>
-          </a:prstGeom>
-        </p:spPr>
-        <p:style>
-          <a:lnRef idx="2">
-            <a:schemeClr val="dk1"/>
-          </a:lnRef>
-          <a:fillRef idx="1">
-            <a:schemeClr val="lt1"/>
-          </a:fillRef>
-          <a:effectRef idx="0">
-            <a:schemeClr val="dk1"/>
-          </a:effectRef>
-          <a:fontRef idx="minor">
-            <a:schemeClr val="dk1"/>
-          </a:fontRef>
-        </p:style>
-        <p:txBody>
-          <a:bodyPr lIns="0" tIns="0" rIns="0" bIns="0" rtlCol="0" anchor="ctr"/>
-          <a:p>
-            <a:pPr algn="ctr"/>
-            <a:r>
-              <a:rPr lang="en-US" altLang="zh-CN" sz="2800"/>
-              <a:t> </a:t>
-            </a:r>
-            <a:endParaRPr lang="en-US" altLang="zh-CN" sz="2800"/>
-          </a:p>
-        </p:txBody>
-      </p:sp>
-      <p:sp>
-        <p:nvSpPr>
-          <p:cNvPr id="14" name="椭圆 13"/>
-          <p:cNvSpPr/>
-          <p:nvPr/>
-        </p:nvSpPr>
-        <p:spPr>
-          <a:xfrm>
-            <a:off x="4956175" y="4267835"/>
-            <a:ext cx="512445" cy="522605"/>
-          </a:xfrm>
-          <a:prstGeom prst="ellipse">
-            <a:avLst/>
-          </a:prstGeom>
-        </p:spPr>
-        <p:style>
-          <a:lnRef idx="2">
-            <a:schemeClr val="dk1"/>
-          </a:lnRef>
-          <a:fillRef idx="1">
-            <a:schemeClr val="lt1"/>
-          </a:fillRef>
-          <a:effectRef idx="0">
-            <a:schemeClr val="dk1"/>
-          </a:effectRef>
-          <a:fontRef idx="minor">
-            <a:schemeClr val="dk1"/>
-          </a:fontRef>
-        </p:style>
-        <p:txBody>
-          <a:bodyPr lIns="0" tIns="0" rIns="0" bIns="0" rtlCol="0" anchor="ctr"/>
-          <a:p>
-            <a:pPr algn="ctr"/>
-            <a:r>
-              <a:rPr lang="en-US" altLang="zh-CN" sz="2800"/>
-              <a:t> </a:t>
-            </a:r>
-            <a:endParaRPr lang="en-US" altLang="zh-CN" sz="2800"/>
-          </a:p>
-        </p:txBody>
-      </p:sp>
-      <p:cxnSp>
-        <p:nvCxnSpPr>
-          <p:cNvPr id="15" name="直接连接符 14"/>
-          <p:cNvCxnSpPr>
-            <a:stCxn id="5" idx="4"/>
-            <a:endCxn id="4" idx="7"/>
-          </p:cNvCxnSpPr>
-          <p:nvPr/>
-        </p:nvCxnSpPr>
-        <p:spPr>
-          <a:xfrm flipH="1">
-            <a:off x="1318260" y="1570990"/>
-            <a:ext cx="803275" cy="456565"/>
-          </a:xfrm>
-          <a:prstGeom prst="line">
-            <a:avLst/>
-          </a:prstGeom>
-        </p:spPr>
-        <p:style>
-          <a:lnRef idx="1">
-            <a:schemeClr val="accent1"/>
-          </a:lnRef>
-          <a:fillRef idx="0">
-            <a:schemeClr val="accent1"/>
-          </a:fillRef>
-          <a:effectRef idx="0">
-            <a:schemeClr val="accent1"/>
-          </a:effectRef>
-          <a:fontRef idx="minor">
-            <a:schemeClr val="tx1"/>
-          </a:fontRef>
-        </p:style>
-      </p:cxnSp>
-      <p:cxnSp>
-        <p:nvCxnSpPr>
-          <p:cNvPr id="16" name="直接连接符 15"/>
-          <p:cNvCxnSpPr>
-            <a:stCxn id="4" idx="5"/>
-            <a:endCxn id="8" idx="0"/>
-          </p:cNvCxnSpPr>
-          <p:nvPr/>
-        </p:nvCxnSpPr>
-        <p:spPr>
-          <a:xfrm>
-            <a:off x="1318260" y="2396490"/>
-            <a:ext cx="154305" cy="917575"/>
-          </a:xfrm>
-          <a:prstGeom prst="line">
-            <a:avLst/>
-          </a:prstGeom>
-        </p:spPr>
-        <p:style>
-          <a:lnRef idx="1">
-            <a:schemeClr val="accent1"/>
-          </a:lnRef>
-          <a:fillRef idx="0">
-            <a:schemeClr val="accent1"/>
-          </a:fillRef>
-          <a:effectRef idx="0">
-            <a:schemeClr val="accent1"/>
-          </a:effectRef>
-          <a:fontRef idx="minor">
-            <a:schemeClr val="tx1"/>
-          </a:fontRef>
-        </p:style>
-      </p:cxnSp>
-      <p:cxnSp>
-        <p:nvCxnSpPr>
-          <p:cNvPr id="17" name="直接连接符 16"/>
-          <p:cNvCxnSpPr>
-            <a:stCxn id="4" idx="3"/>
-            <a:endCxn id="7" idx="0"/>
-          </p:cNvCxnSpPr>
-          <p:nvPr/>
-        </p:nvCxnSpPr>
-        <p:spPr>
-          <a:xfrm flipH="1">
-            <a:off x="445135" y="2396490"/>
-            <a:ext cx="510540" cy="917575"/>
-          </a:xfrm>
-          <a:prstGeom prst="line">
-            <a:avLst/>
-          </a:prstGeom>
-        </p:spPr>
-        <p:style>
-          <a:lnRef idx="1">
-            <a:schemeClr val="accent1"/>
-          </a:lnRef>
-          <a:fillRef idx="0">
-            <a:schemeClr val="accent1"/>
-          </a:fillRef>
-          <a:effectRef idx="0">
-            <a:schemeClr val="accent1"/>
-          </a:effectRef>
-          <a:fontRef idx="minor">
-            <a:schemeClr val="tx1"/>
-          </a:fontRef>
-        </p:style>
-      </p:cxnSp>
-      <p:sp>
-        <p:nvSpPr>
-          <p:cNvPr id="18" name="椭圆 17"/>
-          <p:cNvSpPr/>
-          <p:nvPr/>
-        </p:nvSpPr>
-        <p:spPr>
-          <a:xfrm>
-            <a:off x="1864995" y="4137025"/>
-            <a:ext cx="512445" cy="522605"/>
-          </a:xfrm>
-          <a:prstGeom prst="ellipse">
-            <a:avLst/>
-          </a:prstGeom>
-        </p:spPr>
-        <p:style>
-          <a:lnRef idx="2">
-            <a:schemeClr val="dk1"/>
-          </a:lnRef>
-          <a:fillRef idx="1">
-            <a:schemeClr val="lt1"/>
-          </a:fillRef>
-          <a:effectRef idx="0">
-            <a:schemeClr val="dk1"/>
-          </a:effectRef>
-          <a:fontRef idx="minor">
-            <a:schemeClr val="dk1"/>
-          </a:fontRef>
-        </p:style>
-        <p:txBody>
-          <a:bodyPr lIns="0" tIns="0" rIns="0" bIns="0" rtlCol="0" anchor="ctr"/>
-          <a:p>
-            <a:pPr algn="ctr"/>
-            <a:r>
-              <a:rPr lang="en-US" altLang="zh-CN" sz="2800"/>
-              <a:t> </a:t>
-            </a:r>
-            <a:endParaRPr lang="en-US" altLang="zh-CN" sz="2800"/>
-          </a:p>
-        </p:txBody>
-      </p:sp>
-      <p:cxnSp>
-        <p:nvCxnSpPr>
-          <p:cNvPr id="19" name="直接连接符 18"/>
-          <p:cNvCxnSpPr>
-            <a:stCxn id="9" idx="3"/>
-          </p:cNvCxnSpPr>
-          <p:nvPr/>
-        </p:nvCxnSpPr>
-        <p:spPr>
-          <a:xfrm flipH="1">
-            <a:off x="2038350" y="3629025"/>
-            <a:ext cx="598170" cy="617220"/>
-          </a:xfrm>
-          <a:prstGeom prst="line">
-            <a:avLst/>
-          </a:prstGeom>
-        </p:spPr>
-        <p:style>
-          <a:lnRef idx="1">
-            <a:schemeClr val="accent1"/>
-          </a:lnRef>
-          <a:fillRef idx="0">
-            <a:schemeClr val="accent1"/>
-          </a:fillRef>
-          <a:effectRef idx="0">
-            <a:schemeClr val="accent1"/>
-          </a:effectRef>
-          <a:fontRef idx="minor">
-            <a:schemeClr val="tx1"/>
-          </a:fontRef>
-        </p:style>
-      </p:cxnSp>
-      <p:cxnSp>
-        <p:nvCxnSpPr>
-          <p:cNvPr id="20" name="直接连接符 19"/>
-          <p:cNvCxnSpPr>
-            <a:stCxn id="6" idx="3"/>
-            <a:endCxn id="9" idx="0"/>
-          </p:cNvCxnSpPr>
-          <p:nvPr/>
-        </p:nvCxnSpPr>
-        <p:spPr>
-          <a:xfrm flipH="1">
-            <a:off x="2818130" y="2574290"/>
-            <a:ext cx="501015" cy="608965"/>
-          </a:xfrm>
-          <a:prstGeom prst="line">
-            <a:avLst/>
-          </a:prstGeom>
-        </p:spPr>
-        <p:style>
-          <a:lnRef idx="1">
-            <a:schemeClr val="accent1"/>
-          </a:lnRef>
-          <a:fillRef idx="0">
-            <a:schemeClr val="accent1"/>
-          </a:fillRef>
-          <a:effectRef idx="0">
-            <a:schemeClr val="accent1"/>
-          </a:effectRef>
-          <a:fontRef idx="minor">
-            <a:schemeClr val="tx1"/>
-          </a:fontRef>
-        </p:style>
-      </p:cxnSp>
-      <p:cxnSp>
-        <p:nvCxnSpPr>
-          <p:cNvPr id="21" name="直接连接符 20"/>
-          <p:cNvCxnSpPr>
-            <a:stCxn id="5" idx="6"/>
-            <a:endCxn id="6" idx="1"/>
-          </p:cNvCxnSpPr>
-          <p:nvPr/>
-        </p:nvCxnSpPr>
-        <p:spPr>
-          <a:xfrm>
-            <a:off x="2377440" y="1310005"/>
-            <a:ext cx="941705" cy="895350"/>
-          </a:xfrm>
-          <a:prstGeom prst="line">
-            <a:avLst/>
-          </a:prstGeom>
-        </p:spPr>
-        <p:style>
-          <a:lnRef idx="1">
-            <a:schemeClr val="accent1"/>
-          </a:lnRef>
-          <a:fillRef idx="0">
-            <a:schemeClr val="accent1"/>
-          </a:fillRef>
-          <a:effectRef idx="0">
-            <a:schemeClr val="accent1"/>
-          </a:effectRef>
-          <a:fontRef idx="minor">
-            <a:schemeClr val="tx1"/>
-          </a:fontRef>
-        </p:style>
-      </p:cxnSp>
-      <p:cxnSp>
-        <p:nvCxnSpPr>
-          <p:cNvPr id="22" name="直接连接符 21"/>
-          <p:cNvCxnSpPr/>
-          <p:nvPr/>
-        </p:nvCxnSpPr>
-        <p:spPr>
-          <a:xfrm flipH="1">
-            <a:off x="3816350" y="3513455"/>
-            <a:ext cx="561975" cy="662305"/>
-          </a:xfrm>
-          <a:prstGeom prst="line">
-            <a:avLst/>
-          </a:prstGeom>
-        </p:spPr>
-        <p:style>
-          <a:lnRef idx="1">
-            <a:schemeClr val="accent1"/>
-          </a:lnRef>
-          <a:fillRef idx="0">
-            <a:schemeClr val="accent1"/>
-          </a:fillRef>
-          <a:effectRef idx="0">
-            <a:schemeClr val="accent1"/>
-          </a:effectRef>
-          <a:fontRef idx="minor">
-            <a:schemeClr val="tx1"/>
-          </a:fontRef>
-        </p:style>
-      </p:cxnSp>
-      <p:cxnSp>
-        <p:nvCxnSpPr>
-          <p:cNvPr id="23" name="直接连接符 22"/>
-          <p:cNvCxnSpPr/>
-          <p:nvPr/>
-        </p:nvCxnSpPr>
-        <p:spPr>
-          <a:xfrm>
-            <a:off x="3605530" y="2669540"/>
-            <a:ext cx="763270" cy="492125"/>
-          </a:xfrm>
-          <a:prstGeom prst="line">
-            <a:avLst/>
-          </a:prstGeom>
-        </p:spPr>
-        <p:style>
-          <a:lnRef idx="1">
-            <a:schemeClr val="accent1"/>
-          </a:lnRef>
-          <a:fillRef idx="0">
-            <a:schemeClr val="accent1"/>
-          </a:fillRef>
-          <a:effectRef idx="0">
-            <a:schemeClr val="accent1"/>
-          </a:effectRef>
-          <a:fontRef idx="minor">
-            <a:schemeClr val="tx1"/>
-          </a:fontRef>
-        </p:style>
-      </p:cxnSp>
-      <p:cxnSp>
-        <p:nvCxnSpPr>
-          <p:cNvPr id="24" name="直接连接符 23"/>
-          <p:cNvCxnSpPr/>
-          <p:nvPr/>
-        </p:nvCxnSpPr>
-        <p:spPr>
-          <a:xfrm>
-            <a:off x="4679950" y="3386455"/>
-            <a:ext cx="365125" cy="916305"/>
-          </a:xfrm>
-          <a:prstGeom prst="line">
-            <a:avLst/>
-          </a:prstGeom>
-        </p:spPr>
-        <p:style>
-          <a:lnRef idx="1">
-            <a:schemeClr val="accent1"/>
-          </a:lnRef>
-          <a:fillRef idx="0">
-            <a:schemeClr val="accent1"/>
-          </a:fillRef>
-          <a:effectRef idx="0">
-            <a:schemeClr val="accent1"/>
-          </a:effectRef>
-          <a:fontRef idx="minor">
-            <a:schemeClr val="tx1"/>
-          </a:fontRef>
-        </p:style>
-      </p:cxnSp>
-      <p:cxnSp>
-        <p:nvCxnSpPr>
-          <p:cNvPr id="25" name="直接连接符 24"/>
-          <p:cNvCxnSpPr>
-            <a:stCxn id="9" idx="5"/>
-            <a:endCxn id="12" idx="0"/>
-          </p:cNvCxnSpPr>
-          <p:nvPr/>
-        </p:nvCxnSpPr>
-        <p:spPr>
-          <a:xfrm>
-            <a:off x="2999105" y="3629025"/>
-            <a:ext cx="130810" cy="508000"/>
-          </a:xfrm>
-          <a:prstGeom prst="line">
-            <a:avLst/>
-          </a:prstGeom>
-        </p:spPr>
-        <p:style>
-          <a:lnRef idx="1">
-            <a:schemeClr val="accent1"/>
-          </a:lnRef>
-          <a:fillRef idx="0">
-            <a:schemeClr val="accent1"/>
-          </a:fillRef>
-          <a:effectRef idx="0">
-            <a:schemeClr val="accent1"/>
-          </a:effectRef>
-          <a:fontRef idx="minor">
-            <a:schemeClr val="tx1"/>
-          </a:fontRef>
-        </p:style>
-      </p:cxnSp>
-      <p:sp>
-        <p:nvSpPr>
-          <p:cNvPr id="26" name="椭圆 25"/>
-          <p:cNvSpPr/>
-          <p:nvPr/>
-        </p:nvSpPr>
-        <p:spPr>
-          <a:xfrm>
-            <a:off x="7147560" y="2061210"/>
-            <a:ext cx="512445" cy="522605"/>
-          </a:xfrm>
-          <a:prstGeom prst="ellipse">
-            <a:avLst/>
-          </a:prstGeom>
-        </p:spPr>
-        <p:style>
-          <a:lnRef idx="1">
-            <a:schemeClr val="dk1"/>
-          </a:lnRef>
-          <a:fillRef idx="2">
-            <a:schemeClr val="dk1"/>
-          </a:fillRef>
-          <a:effectRef idx="1">
-            <a:schemeClr val="dk1"/>
-          </a:effectRef>
-          <a:fontRef idx="minor">
-            <a:schemeClr val="dk1"/>
-          </a:fontRef>
-        </p:style>
-        <p:txBody>
-          <a:bodyPr lIns="0" tIns="0" rIns="0" bIns="0" rtlCol="0" anchor="ctr"/>
-          <a:p>
-            <a:pPr algn="ctr"/>
-            <a:r>
-              <a:rPr lang="en-US" altLang="zh-CN" sz="2800"/>
-              <a:t>40</a:t>
-            </a:r>
-            <a:endParaRPr lang="en-US" altLang="zh-CN" sz="2800"/>
-          </a:p>
-        </p:txBody>
-      </p:sp>
-      <p:sp>
-        <p:nvSpPr>
-          <p:cNvPr id="27" name="椭圆 26"/>
-          <p:cNvSpPr/>
-          <p:nvPr/>
-        </p:nvSpPr>
-        <p:spPr>
-          <a:xfrm>
-            <a:off x="8131810" y="1158875"/>
-            <a:ext cx="512445" cy="522605"/>
-          </a:xfrm>
-          <a:prstGeom prst="ellipse">
-            <a:avLst/>
-          </a:prstGeom>
-        </p:spPr>
-        <p:style>
-          <a:lnRef idx="1">
-            <a:schemeClr val="dk1"/>
-          </a:lnRef>
-          <a:fillRef idx="2">
-            <a:schemeClr val="dk1"/>
-          </a:fillRef>
-          <a:effectRef idx="1">
-            <a:schemeClr val="dk1"/>
-          </a:effectRef>
-          <a:fontRef idx="minor">
-            <a:schemeClr val="dk1"/>
-          </a:fontRef>
-        </p:style>
-        <p:txBody>
-          <a:bodyPr lIns="0" tIns="0" rIns="0" bIns="0" rtlCol="0" anchor="ctr"/>
-          <a:p>
-            <a:pPr algn="ctr"/>
-            <a:r>
-              <a:rPr lang="en-US" altLang="zh-CN" sz="2800"/>
-              <a:t>50</a:t>
-            </a:r>
-            <a:endParaRPr lang="en-US" altLang="zh-CN" sz="2800"/>
-          </a:p>
-        </p:txBody>
-      </p:sp>
-      <p:sp>
-        <p:nvSpPr>
-          <p:cNvPr id="28" name="椭圆 27"/>
-          <p:cNvSpPr/>
-          <p:nvPr/>
-        </p:nvSpPr>
-        <p:spPr>
-          <a:xfrm>
-            <a:off x="9511030" y="2239010"/>
-            <a:ext cx="512445" cy="522605"/>
-          </a:xfrm>
-          <a:prstGeom prst="ellipse">
-            <a:avLst/>
-          </a:prstGeom>
-        </p:spPr>
-        <p:style>
-          <a:lnRef idx="2">
-            <a:schemeClr val="accent2">
-              <a:shade val="50000"/>
-            </a:schemeClr>
-          </a:lnRef>
-          <a:fillRef idx="1">
-            <a:schemeClr val="accent2"/>
-          </a:fillRef>
-          <a:effectRef idx="0">
-            <a:schemeClr val="accent2"/>
-          </a:effectRef>
-          <a:fontRef idx="minor">
-            <a:schemeClr val="lt1"/>
-          </a:fontRef>
-        </p:style>
-        <p:txBody>
-          <a:bodyPr lIns="0" tIns="0" rIns="0" bIns="0" rtlCol="0" anchor="ctr"/>
-          <a:p>
-            <a:pPr algn="ctr"/>
-            <a:r>
-              <a:rPr lang="en-US" altLang="zh-CN" sz="2800"/>
-              <a:t>70</a:t>
-            </a:r>
-            <a:endParaRPr lang="en-US" altLang="zh-CN" sz="2800"/>
-          </a:p>
-        </p:txBody>
-      </p:sp>
-      <p:sp>
-        <p:nvSpPr>
-          <p:cNvPr id="29" name="椭圆 28"/>
-          <p:cNvSpPr/>
-          <p:nvPr/>
-        </p:nvSpPr>
-        <p:spPr>
-          <a:xfrm>
-            <a:off x="6456045" y="3424555"/>
-            <a:ext cx="511810" cy="522605"/>
-          </a:xfrm>
-          <a:prstGeom prst="ellipse">
-            <a:avLst/>
-          </a:prstGeom>
-        </p:spPr>
-        <p:style>
-          <a:lnRef idx="2">
-            <a:schemeClr val="dk1"/>
-          </a:lnRef>
-          <a:fillRef idx="1">
-            <a:schemeClr val="lt1"/>
-          </a:fillRef>
-          <a:effectRef idx="0">
-            <a:schemeClr val="dk1"/>
-          </a:effectRef>
-          <a:fontRef idx="minor">
-            <a:schemeClr val="dk1"/>
-          </a:fontRef>
-        </p:style>
-        <p:txBody>
-          <a:bodyPr lIns="0" tIns="0" rIns="0" bIns="0" rtlCol="0" anchor="ctr"/>
-          <a:p>
-            <a:pPr algn="ctr"/>
-            <a:r>
-              <a:rPr lang="en-US" altLang="zh-CN" sz="2800"/>
-              <a:t> </a:t>
-            </a:r>
-            <a:endParaRPr lang="en-US" altLang="zh-CN" sz="2800"/>
-          </a:p>
-        </p:txBody>
-      </p:sp>
-      <p:sp>
-        <p:nvSpPr>
-          <p:cNvPr id="30" name="椭圆 29"/>
-          <p:cNvSpPr/>
-          <p:nvPr/>
-        </p:nvSpPr>
-        <p:spPr>
-          <a:xfrm>
-            <a:off x="7482840" y="3424555"/>
-            <a:ext cx="512445" cy="522605"/>
-          </a:xfrm>
-          <a:prstGeom prst="ellipse">
-            <a:avLst/>
-          </a:prstGeom>
-        </p:spPr>
-        <p:style>
-          <a:lnRef idx="2">
-            <a:schemeClr val="dk1"/>
-          </a:lnRef>
-          <a:fillRef idx="1">
-            <a:schemeClr val="lt1"/>
-          </a:fillRef>
-          <a:effectRef idx="0">
-            <a:schemeClr val="dk1"/>
-          </a:effectRef>
-          <a:fontRef idx="minor">
-            <a:schemeClr val="dk1"/>
-          </a:fontRef>
-        </p:style>
-        <p:txBody>
-          <a:bodyPr lIns="0" tIns="0" rIns="0" bIns="0" rtlCol="0" anchor="ctr"/>
-          <a:p>
-            <a:pPr algn="ctr"/>
-            <a:r>
-              <a:rPr lang="en-US" altLang="zh-CN" sz="2800"/>
-              <a:t> </a:t>
-            </a:r>
-            <a:endParaRPr lang="en-US" altLang="zh-CN" sz="2800"/>
-          </a:p>
-        </p:txBody>
-      </p:sp>
-      <p:sp>
-        <p:nvSpPr>
-          <p:cNvPr id="31" name="椭圆 30"/>
-          <p:cNvSpPr/>
-          <p:nvPr/>
-        </p:nvSpPr>
-        <p:spPr>
-          <a:xfrm>
-            <a:off x="8828405" y="3293745"/>
-            <a:ext cx="512445" cy="522605"/>
-          </a:xfrm>
-          <a:prstGeom prst="ellipse">
-            <a:avLst/>
-          </a:prstGeom>
-        </p:spPr>
-        <p:style>
-          <a:lnRef idx="1">
-            <a:schemeClr val="dk1"/>
-          </a:lnRef>
-          <a:fillRef idx="2">
-            <a:schemeClr val="dk1"/>
-          </a:fillRef>
-          <a:effectRef idx="1">
-            <a:schemeClr val="dk1"/>
-          </a:effectRef>
-          <a:fontRef idx="minor">
-            <a:schemeClr val="dk1"/>
-          </a:fontRef>
-        </p:style>
-        <p:txBody>
-          <a:bodyPr lIns="0" tIns="0" rIns="0" bIns="0" rtlCol="0" anchor="ctr"/>
-          <a:p>
-            <a:pPr algn="ctr"/>
-            <a:r>
-              <a:rPr lang="en-US" altLang="zh-CN" sz="2800"/>
-              <a:t>60</a:t>
-            </a:r>
-            <a:endParaRPr lang="en-US" altLang="zh-CN" sz="2800"/>
-          </a:p>
-        </p:txBody>
-      </p:sp>
-      <p:sp>
-        <p:nvSpPr>
-          <p:cNvPr id="32" name="椭圆 31"/>
-          <p:cNvSpPr/>
-          <p:nvPr/>
-        </p:nvSpPr>
-        <p:spPr>
-          <a:xfrm>
-            <a:off x="10495280" y="3093085"/>
-            <a:ext cx="512445" cy="522605"/>
-          </a:xfrm>
-          <a:prstGeom prst="ellipse">
-            <a:avLst/>
-          </a:prstGeom>
-        </p:spPr>
-        <p:style>
-          <a:lnRef idx="1">
-            <a:schemeClr val="dk1"/>
-          </a:lnRef>
-          <a:fillRef idx="2">
-            <a:schemeClr val="dk1"/>
-          </a:fillRef>
-          <a:effectRef idx="1">
-            <a:schemeClr val="dk1"/>
-          </a:effectRef>
-          <a:fontRef idx="minor">
-            <a:schemeClr val="dk1"/>
-          </a:fontRef>
-        </p:style>
-        <p:txBody>
-          <a:bodyPr lIns="0" tIns="0" rIns="0" bIns="0" rtlCol="0" anchor="ctr"/>
-          <a:p>
-            <a:pPr algn="ctr"/>
-            <a:r>
-              <a:rPr lang="en-US" altLang="zh-CN" sz="2800"/>
-              <a:t>80</a:t>
-            </a:r>
-            <a:endParaRPr lang="en-US" altLang="zh-CN" sz="2800"/>
-          </a:p>
-        </p:txBody>
-      </p:sp>
-      <p:sp>
-        <p:nvSpPr>
-          <p:cNvPr id="33" name="椭圆 32"/>
-          <p:cNvSpPr/>
-          <p:nvPr/>
-        </p:nvSpPr>
-        <p:spPr>
-          <a:xfrm>
-            <a:off x="9140190" y="4247515"/>
-            <a:ext cx="512445" cy="522605"/>
-          </a:xfrm>
-          <a:prstGeom prst="ellipse">
-            <a:avLst/>
-          </a:prstGeom>
-        </p:spPr>
-        <p:style>
-          <a:lnRef idx="2">
-            <a:schemeClr val="dk1"/>
-          </a:lnRef>
-          <a:fillRef idx="1">
-            <a:schemeClr val="lt1"/>
-          </a:fillRef>
-          <a:effectRef idx="0">
-            <a:schemeClr val="dk1"/>
-          </a:effectRef>
-          <a:fontRef idx="minor">
-            <a:schemeClr val="dk1"/>
-          </a:fontRef>
-        </p:style>
-        <p:txBody>
-          <a:bodyPr lIns="0" tIns="0" rIns="0" bIns="0" rtlCol="0" anchor="ctr"/>
-          <a:p>
-            <a:pPr algn="ctr"/>
-            <a:r>
-              <a:rPr lang="en-US" altLang="zh-CN" sz="2800"/>
-              <a:t> </a:t>
-            </a:r>
-            <a:endParaRPr lang="en-US" altLang="zh-CN" sz="2800"/>
-          </a:p>
-        </p:txBody>
-      </p:sp>
-      <p:sp>
-        <p:nvSpPr>
-          <p:cNvPr id="34" name="椭圆 33"/>
-          <p:cNvSpPr/>
-          <p:nvPr/>
-        </p:nvSpPr>
-        <p:spPr>
-          <a:xfrm>
-            <a:off x="9947275" y="4277995"/>
-            <a:ext cx="512445" cy="522605"/>
-          </a:xfrm>
-          <a:prstGeom prst="ellipse">
-            <a:avLst/>
-          </a:prstGeom>
-        </p:spPr>
-        <p:style>
-          <a:lnRef idx="2">
-            <a:schemeClr val="dk1"/>
-          </a:lnRef>
-          <a:fillRef idx="1">
-            <a:schemeClr val="lt1"/>
-          </a:fillRef>
-          <a:effectRef idx="0">
-            <a:schemeClr val="dk1"/>
-          </a:effectRef>
-          <a:fontRef idx="minor">
-            <a:schemeClr val="dk1"/>
-          </a:fontRef>
-        </p:style>
-        <p:txBody>
-          <a:bodyPr lIns="0" tIns="0" rIns="0" bIns="0" rtlCol="0" anchor="ctr"/>
-          <a:p>
-            <a:pPr algn="ctr"/>
-            <a:r>
-              <a:rPr lang="en-US" altLang="zh-CN" sz="2800"/>
-              <a:t> </a:t>
-            </a:r>
-            <a:endParaRPr lang="en-US" altLang="zh-CN" sz="2800"/>
-          </a:p>
-        </p:txBody>
-      </p:sp>
-      <p:sp>
-        <p:nvSpPr>
-          <p:cNvPr id="35" name="椭圆 34"/>
-          <p:cNvSpPr/>
-          <p:nvPr/>
-        </p:nvSpPr>
-        <p:spPr>
-          <a:xfrm>
-            <a:off x="11222990" y="4378325"/>
-            <a:ext cx="512445" cy="522605"/>
-          </a:xfrm>
-          <a:prstGeom prst="ellipse">
-            <a:avLst/>
-          </a:prstGeom>
-        </p:spPr>
-        <p:style>
-          <a:lnRef idx="2">
-            <a:schemeClr val="dk1"/>
-          </a:lnRef>
-          <a:fillRef idx="1">
-            <a:schemeClr val="lt1"/>
-          </a:fillRef>
-          <a:effectRef idx="0">
-            <a:schemeClr val="dk1"/>
-          </a:effectRef>
-          <a:fontRef idx="minor">
-            <a:schemeClr val="dk1"/>
-          </a:fontRef>
-        </p:style>
-        <p:txBody>
-          <a:bodyPr lIns="0" tIns="0" rIns="0" bIns="0" rtlCol="0" anchor="ctr"/>
-          <a:p>
-            <a:pPr algn="ctr"/>
-            <a:r>
-              <a:rPr lang="en-US" altLang="zh-CN" sz="2800"/>
-              <a:t> </a:t>
-            </a:r>
-            <a:endParaRPr lang="en-US" altLang="zh-CN" sz="2800"/>
-          </a:p>
-        </p:txBody>
-      </p:sp>
-      <p:cxnSp>
-        <p:nvCxnSpPr>
-          <p:cNvPr id="36" name="直接连接符 35"/>
-          <p:cNvCxnSpPr>
-            <a:stCxn id="27" idx="4"/>
-            <a:endCxn id="26" idx="7"/>
-          </p:cNvCxnSpPr>
-          <p:nvPr/>
-        </p:nvCxnSpPr>
-        <p:spPr>
-          <a:xfrm flipH="1">
-            <a:off x="7585075" y="1681480"/>
-            <a:ext cx="803275" cy="456565"/>
-          </a:xfrm>
-          <a:prstGeom prst="line">
-            <a:avLst/>
-          </a:prstGeom>
-        </p:spPr>
-        <p:style>
-          <a:lnRef idx="1">
-            <a:schemeClr val="accent1"/>
-          </a:lnRef>
-          <a:fillRef idx="0">
-            <a:schemeClr val="accent1"/>
-          </a:fillRef>
-          <a:effectRef idx="0">
-            <a:schemeClr val="accent1"/>
-          </a:effectRef>
-          <a:fontRef idx="minor">
-            <a:schemeClr val="tx1"/>
-          </a:fontRef>
-        </p:style>
-      </p:cxnSp>
-      <p:cxnSp>
-        <p:nvCxnSpPr>
-          <p:cNvPr id="37" name="直接连接符 36"/>
-          <p:cNvCxnSpPr>
-            <a:stCxn id="26" idx="5"/>
-            <a:endCxn id="30" idx="0"/>
-          </p:cNvCxnSpPr>
-          <p:nvPr/>
-        </p:nvCxnSpPr>
-        <p:spPr>
-          <a:xfrm>
-            <a:off x="7585075" y="2506980"/>
-            <a:ext cx="154305" cy="917575"/>
-          </a:xfrm>
-          <a:prstGeom prst="line">
-            <a:avLst/>
-          </a:prstGeom>
-        </p:spPr>
-        <p:style>
-          <a:lnRef idx="1">
-            <a:schemeClr val="accent1"/>
-          </a:lnRef>
-          <a:fillRef idx="0">
-            <a:schemeClr val="accent1"/>
-          </a:fillRef>
-          <a:effectRef idx="0">
-            <a:schemeClr val="accent1"/>
-          </a:effectRef>
-          <a:fontRef idx="minor">
-            <a:schemeClr val="tx1"/>
-          </a:fontRef>
-        </p:style>
-      </p:cxnSp>
-      <p:cxnSp>
-        <p:nvCxnSpPr>
-          <p:cNvPr id="38" name="直接连接符 37"/>
-          <p:cNvCxnSpPr>
-            <a:stCxn id="26" idx="3"/>
-            <a:endCxn id="29" idx="0"/>
-          </p:cNvCxnSpPr>
-          <p:nvPr/>
-        </p:nvCxnSpPr>
-        <p:spPr>
-          <a:xfrm flipH="1">
-            <a:off x="6711950" y="2506980"/>
-            <a:ext cx="510540" cy="917575"/>
-          </a:xfrm>
-          <a:prstGeom prst="line">
-            <a:avLst/>
-          </a:prstGeom>
-        </p:spPr>
-        <p:style>
-          <a:lnRef idx="1">
-            <a:schemeClr val="accent1"/>
-          </a:lnRef>
-          <a:fillRef idx="0">
-            <a:schemeClr val="accent1"/>
-          </a:fillRef>
-          <a:effectRef idx="0">
-            <a:schemeClr val="accent1"/>
-          </a:effectRef>
-          <a:fontRef idx="minor">
-            <a:schemeClr val="tx1"/>
-          </a:fontRef>
-        </p:style>
-      </p:cxnSp>
-      <p:sp>
-        <p:nvSpPr>
-          <p:cNvPr id="39" name="椭圆 38"/>
-          <p:cNvSpPr/>
-          <p:nvPr/>
-        </p:nvSpPr>
-        <p:spPr>
-          <a:xfrm>
-            <a:off x="8131810" y="4247515"/>
-            <a:ext cx="512445" cy="522605"/>
-          </a:xfrm>
-          <a:prstGeom prst="ellipse">
-            <a:avLst/>
-          </a:prstGeom>
-        </p:spPr>
-        <p:style>
-          <a:lnRef idx="2">
-            <a:schemeClr val="dk1"/>
-          </a:lnRef>
-          <a:fillRef idx="1">
-            <a:schemeClr val="lt1"/>
-          </a:fillRef>
-          <a:effectRef idx="0">
-            <a:schemeClr val="dk1"/>
-          </a:effectRef>
-          <a:fontRef idx="minor">
-            <a:schemeClr val="dk1"/>
-          </a:fontRef>
-        </p:style>
-        <p:txBody>
-          <a:bodyPr lIns="0" tIns="0" rIns="0" bIns="0" rtlCol="0" anchor="ctr"/>
-          <a:p>
-            <a:pPr algn="ctr"/>
-            <a:r>
-              <a:rPr lang="en-US" altLang="zh-CN" sz="2800"/>
-              <a:t> </a:t>
-            </a:r>
-            <a:endParaRPr lang="en-US" altLang="zh-CN" sz="2800"/>
-          </a:p>
-        </p:txBody>
-      </p:sp>
-      <p:cxnSp>
-        <p:nvCxnSpPr>
-          <p:cNvPr id="40" name="直接连接符 39"/>
-          <p:cNvCxnSpPr>
-            <a:stCxn id="31" idx="3"/>
-          </p:cNvCxnSpPr>
-          <p:nvPr/>
-        </p:nvCxnSpPr>
-        <p:spPr>
-          <a:xfrm flipH="1">
-            <a:off x="8305165" y="3739515"/>
-            <a:ext cx="598170" cy="617220"/>
-          </a:xfrm>
-          <a:prstGeom prst="line">
-            <a:avLst/>
-          </a:prstGeom>
-        </p:spPr>
-        <p:style>
-          <a:lnRef idx="1">
-            <a:schemeClr val="accent1"/>
-          </a:lnRef>
-          <a:fillRef idx="0">
-            <a:schemeClr val="accent1"/>
-          </a:fillRef>
-          <a:effectRef idx="0">
-            <a:schemeClr val="accent1"/>
-          </a:effectRef>
-          <a:fontRef idx="minor">
-            <a:schemeClr val="tx1"/>
-          </a:fontRef>
-        </p:style>
-      </p:cxnSp>
-      <p:cxnSp>
-        <p:nvCxnSpPr>
-          <p:cNvPr id="41" name="直接连接符 40"/>
-          <p:cNvCxnSpPr>
-            <a:stCxn id="28" idx="3"/>
-            <a:endCxn id="31" idx="0"/>
-          </p:cNvCxnSpPr>
-          <p:nvPr/>
-        </p:nvCxnSpPr>
-        <p:spPr>
-          <a:xfrm flipH="1">
-            <a:off x="9084945" y="2684780"/>
-            <a:ext cx="501015" cy="608965"/>
-          </a:xfrm>
-          <a:prstGeom prst="line">
-            <a:avLst/>
-          </a:prstGeom>
-        </p:spPr>
-        <p:style>
-          <a:lnRef idx="1">
-            <a:schemeClr val="accent1"/>
-          </a:lnRef>
-          <a:fillRef idx="0">
-            <a:schemeClr val="accent1"/>
-          </a:fillRef>
-          <a:effectRef idx="0">
-            <a:schemeClr val="accent1"/>
-          </a:effectRef>
-          <a:fontRef idx="minor">
-            <a:schemeClr val="tx1"/>
-          </a:fontRef>
-        </p:style>
-      </p:cxnSp>
-      <p:cxnSp>
-        <p:nvCxnSpPr>
-          <p:cNvPr id="42" name="直接连接符 41"/>
-          <p:cNvCxnSpPr>
-            <a:stCxn id="27" idx="6"/>
-            <a:endCxn id="28" idx="1"/>
-          </p:cNvCxnSpPr>
-          <p:nvPr/>
-        </p:nvCxnSpPr>
-        <p:spPr>
-          <a:xfrm>
-            <a:off x="8644255" y="1420495"/>
-            <a:ext cx="941705" cy="895350"/>
-          </a:xfrm>
-          <a:prstGeom prst="line">
-            <a:avLst/>
-          </a:prstGeom>
-        </p:spPr>
-        <p:style>
-          <a:lnRef idx="1">
-            <a:schemeClr val="accent1"/>
-          </a:lnRef>
-          <a:fillRef idx="0">
-            <a:schemeClr val="accent1"/>
-          </a:fillRef>
-          <a:effectRef idx="0">
-            <a:schemeClr val="accent1"/>
-          </a:effectRef>
-          <a:fontRef idx="minor">
-            <a:schemeClr val="tx1"/>
-          </a:fontRef>
-        </p:style>
-      </p:cxnSp>
-      <p:cxnSp>
-        <p:nvCxnSpPr>
-          <p:cNvPr id="43" name="直接连接符 42"/>
-          <p:cNvCxnSpPr/>
-          <p:nvPr/>
-        </p:nvCxnSpPr>
-        <p:spPr>
-          <a:xfrm flipH="1">
-            <a:off x="10083165" y="3623945"/>
-            <a:ext cx="561975" cy="662305"/>
-          </a:xfrm>
-          <a:prstGeom prst="line">
-            <a:avLst/>
-          </a:prstGeom>
-        </p:spPr>
-        <p:style>
-          <a:lnRef idx="1">
-            <a:schemeClr val="accent1"/>
-          </a:lnRef>
-          <a:fillRef idx="0">
-            <a:schemeClr val="accent1"/>
-          </a:fillRef>
-          <a:effectRef idx="0">
-            <a:schemeClr val="accent1"/>
-          </a:effectRef>
-          <a:fontRef idx="minor">
-            <a:schemeClr val="tx1"/>
-          </a:fontRef>
-        </p:style>
-      </p:cxnSp>
-      <p:cxnSp>
-        <p:nvCxnSpPr>
-          <p:cNvPr id="44" name="直接连接符 43"/>
-          <p:cNvCxnSpPr/>
-          <p:nvPr/>
-        </p:nvCxnSpPr>
-        <p:spPr>
-          <a:xfrm>
-            <a:off x="9872345" y="2780030"/>
-            <a:ext cx="763270" cy="492125"/>
-          </a:xfrm>
-          <a:prstGeom prst="line">
-            <a:avLst/>
-          </a:prstGeom>
-        </p:spPr>
-        <p:style>
-          <a:lnRef idx="1">
-            <a:schemeClr val="accent1"/>
-          </a:lnRef>
-          <a:fillRef idx="0">
-            <a:schemeClr val="accent1"/>
-          </a:fillRef>
-          <a:effectRef idx="0">
-            <a:schemeClr val="accent1"/>
-          </a:effectRef>
-          <a:fontRef idx="minor">
-            <a:schemeClr val="tx1"/>
-          </a:fontRef>
-        </p:style>
-      </p:cxnSp>
-      <p:cxnSp>
-        <p:nvCxnSpPr>
-          <p:cNvPr id="45" name="直接连接符 44"/>
-          <p:cNvCxnSpPr/>
-          <p:nvPr/>
-        </p:nvCxnSpPr>
-        <p:spPr>
-          <a:xfrm>
-            <a:off x="10946765" y="3496945"/>
-            <a:ext cx="365125" cy="916305"/>
-          </a:xfrm>
-          <a:prstGeom prst="line">
-            <a:avLst/>
-          </a:prstGeom>
-        </p:spPr>
-        <p:style>
-          <a:lnRef idx="1">
-            <a:schemeClr val="accent1"/>
-          </a:lnRef>
-          <a:fillRef idx="0">
-            <a:schemeClr val="accent1"/>
-          </a:fillRef>
-          <a:effectRef idx="0">
-            <a:schemeClr val="accent1"/>
-          </a:effectRef>
-          <a:fontRef idx="minor">
-            <a:schemeClr val="tx1"/>
-          </a:fontRef>
-        </p:style>
-      </p:cxnSp>
-      <p:cxnSp>
-        <p:nvCxnSpPr>
-          <p:cNvPr id="46" name="直接连接符 45"/>
-          <p:cNvCxnSpPr>
-            <a:stCxn id="31" idx="5"/>
-            <a:endCxn id="33" idx="0"/>
-          </p:cNvCxnSpPr>
-          <p:nvPr/>
-        </p:nvCxnSpPr>
-        <p:spPr>
-          <a:xfrm>
-            <a:off x="9265920" y="3739515"/>
-            <a:ext cx="130810" cy="508000"/>
-          </a:xfrm>
-          <a:prstGeom prst="line">
-            <a:avLst/>
-          </a:prstGeom>
-        </p:spPr>
-        <p:style>
-          <a:lnRef idx="1">
-            <a:schemeClr val="accent1"/>
-          </a:lnRef>
-          <a:fillRef idx="0">
-            <a:schemeClr val="accent1"/>
-          </a:fillRef>
-          <a:effectRef idx="0">
-            <a:schemeClr val="accent1"/>
-          </a:effectRef>
-          <a:fontRef idx="minor">
-            <a:schemeClr val="tx1"/>
-          </a:fontRef>
-        </p:style>
-      </p:cxnSp>
-      <p:sp>
-        <p:nvSpPr>
-          <p:cNvPr id="47" name="椭圆 46"/>
-          <p:cNvSpPr/>
-          <p:nvPr/>
-        </p:nvSpPr>
-        <p:spPr>
-          <a:xfrm>
-            <a:off x="1864995" y="139700"/>
-            <a:ext cx="512445" cy="522605"/>
-          </a:xfrm>
-          <a:prstGeom prst="ellipse">
-            <a:avLst/>
-          </a:prstGeom>
-        </p:spPr>
-        <p:style>
-          <a:lnRef idx="2">
-            <a:schemeClr val="dk1"/>
-          </a:lnRef>
-          <a:fillRef idx="1">
-            <a:schemeClr val="lt1"/>
-          </a:fillRef>
-          <a:effectRef idx="0">
-            <a:schemeClr val="dk1"/>
-          </a:effectRef>
-          <a:fontRef idx="minor">
-            <a:schemeClr val="dk1"/>
-          </a:fontRef>
-        </p:style>
-        <p:txBody>
-          <a:bodyPr lIns="0" tIns="0" rIns="0" bIns="0" rtlCol="0" anchor="ctr"/>
-          <a:p>
-            <a:pPr algn="ctr"/>
-            <a:r>
-              <a:rPr lang="en-US" altLang="zh-CN" sz="2800"/>
-              <a:t> </a:t>
-            </a:r>
-            <a:endParaRPr lang="en-US" altLang="zh-CN" sz="2800"/>
-          </a:p>
-        </p:txBody>
-      </p:sp>
-      <p:cxnSp>
-        <p:nvCxnSpPr>
-          <p:cNvPr id="48" name="直接连接符 47"/>
-          <p:cNvCxnSpPr>
-            <a:stCxn id="47" idx="4"/>
-            <a:endCxn id="5" idx="0"/>
-          </p:cNvCxnSpPr>
-          <p:nvPr/>
-        </p:nvCxnSpPr>
-        <p:spPr>
-          <a:xfrm>
-            <a:off x="2121535" y="662305"/>
-            <a:ext cx="0" cy="386080"/>
-          </a:xfrm>
-          <a:prstGeom prst="line">
-            <a:avLst/>
-          </a:prstGeom>
-        </p:spPr>
-        <p:style>
-          <a:lnRef idx="1">
-            <a:schemeClr val="accent1"/>
-          </a:lnRef>
-          <a:fillRef idx="0">
-            <a:schemeClr val="accent1"/>
-          </a:fillRef>
-          <a:effectRef idx="0">
-            <a:schemeClr val="accent1"/>
-          </a:effectRef>
-          <a:fontRef idx="minor">
-            <a:schemeClr val="tx1"/>
-          </a:fontRef>
-        </p:style>
-      </p:cxnSp>
-      <p:sp>
-        <p:nvSpPr>
-          <p:cNvPr id="49" name="椭圆 48"/>
-          <p:cNvSpPr/>
-          <p:nvPr/>
-        </p:nvSpPr>
-        <p:spPr>
-          <a:xfrm>
-            <a:off x="8131810" y="139700"/>
-            <a:ext cx="512445" cy="522605"/>
-          </a:xfrm>
-          <a:prstGeom prst="ellipse">
-            <a:avLst/>
-          </a:prstGeom>
-        </p:spPr>
-        <p:style>
-          <a:lnRef idx="2">
-            <a:schemeClr val="dk1"/>
-          </a:lnRef>
-          <a:fillRef idx="1">
-            <a:schemeClr val="lt1"/>
-          </a:fillRef>
-          <a:effectRef idx="0">
-            <a:schemeClr val="dk1"/>
-          </a:effectRef>
-          <a:fontRef idx="minor">
-            <a:schemeClr val="dk1"/>
-          </a:fontRef>
-        </p:style>
-        <p:txBody>
-          <a:bodyPr lIns="0" tIns="0" rIns="0" bIns="0" rtlCol="0" anchor="ctr"/>
-          <a:p>
-            <a:pPr algn="ctr"/>
-            <a:r>
-              <a:rPr lang="en-US" altLang="zh-CN" sz="2800"/>
-              <a:t> </a:t>
-            </a:r>
-            <a:endParaRPr lang="en-US" altLang="zh-CN" sz="2800"/>
-          </a:p>
-        </p:txBody>
-      </p:sp>
-      <p:cxnSp>
-        <p:nvCxnSpPr>
-          <p:cNvPr id="50" name="直接连接符 49"/>
-          <p:cNvCxnSpPr>
-            <a:stCxn id="49" idx="4"/>
-            <a:endCxn id="27" idx="0"/>
-          </p:cNvCxnSpPr>
-          <p:nvPr/>
-        </p:nvCxnSpPr>
-        <p:spPr>
-          <a:xfrm>
-            <a:off x="8388350" y="662305"/>
-            <a:ext cx="0" cy="496570"/>
-          </a:xfrm>
-          <a:prstGeom prst="line">
-            <a:avLst/>
-          </a:prstGeom>
-        </p:spPr>
-        <p:style>
-          <a:lnRef idx="1">
-            <a:schemeClr val="accent1"/>
-          </a:lnRef>
-          <a:fillRef idx="0">
-            <a:schemeClr val="accent1"/>
-          </a:fillRef>
-          <a:effectRef idx="0">
-            <a:schemeClr val="accent1"/>
-          </a:effectRef>
-          <a:fontRef idx="minor">
-            <a:schemeClr val="tx1"/>
-          </a:fontRef>
-        </p:style>
-      </p:cxnSp>
-      <p:sp>
-        <p:nvSpPr>
           <p:cNvPr id="51" name="文本框 50"/>
           <p:cNvSpPr txBox="1"/>
           <p:nvPr/>
         </p:nvSpPr>
         <p:spPr>
           <a:xfrm>
-            <a:off x="3385820" y="294005"/>
-            <a:ext cx="3523615" cy="368300"/>
+            <a:off x="290195" y="61595"/>
+            <a:ext cx="11610975" cy="2030095"/>
           </a:xfrm>
           <a:prstGeom prst="rect">
             <a:avLst/>
@@ -4641,27 +2945,58 @@
           <a:noFill/>
         </p:spPr>
         <p:txBody>
-          <a:bodyPr wrap="none" rtlCol="0">
+          <a:bodyPr wrap="square" rtlCol="0">
             <a:spAutoFit/>
           </a:bodyPr>
           <a:p>
-            <a:pPr algn="l"/>
-            <a:r>
-              <a:rPr lang="en-US" altLang="zh-CN"/>
-              <a:t>[1]红黑黑黑=</a:t>
-            </a:r>
-            <a:r>
-              <a:rPr lang="zh-CN" altLang="en-US"/>
-              <a:t>》</a:t>
-            </a:r>
-            <a:r>
-              <a:rPr lang="en-US" altLang="zh-CN"/>
-              <a:t>父黑，兄红，结束</a:t>
-            </a:r>
-            <a:endParaRPr lang="en-US" altLang="zh-CN"/>
-          </a:p>
-        </p:txBody>
-      </p:sp>
+            <a:r>
+              <a:t>2-3-4树是一种阶为4的B树。它是一种自平衡的数据结构，可以保证在O(lgn)的时间内完成查找、插入和删除操作。它主要满足以下性质：</a:t>
+            </a:r>
+          </a:p>
+          <a:p>
+            <a:r>
+              <a:t>（1）每个节点每个节点有1、2或3个key，分别称为2（孩子）节点，3（孩子）节点，4（孩子）节点。</a:t>
+            </a:r>
+          </a:p>
+          <a:p>
+            <a:r>
+              <a:t>（2）所有叶子节点到根节点的长度一致（也就是说叶子节点都在同一层）。</a:t>
+            </a:r>
+          </a:p>
+          <a:p>
+            <a:r>
+              <a:t>（3）每个节点的key从左到右保持了从小到大的顺序，两个key之间的子树中所有的key一定大于它的父节点的左key，小于父节点的右key。</a:t>
+            </a:r>
+          </a:p>
+          <a:p/>
+        </p:txBody>
+      </p:sp>
+      <p:pic>
+        <p:nvPicPr>
+          <p:cNvPr id="100" name="图片 99"/>
+          <p:cNvPicPr/>
+          <p:nvPr/>
+        </p:nvPicPr>
+        <p:blipFill>
+          <a:blip r:embed="rId1"/>
+          <a:stretch>
+            <a:fillRect/>
+          </a:stretch>
+        </p:blipFill>
+        <p:spPr>
+          <a:xfrm>
+            <a:off x="1343660" y="1901190"/>
+            <a:ext cx="9364980" cy="3055620"/>
+          </a:xfrm>
+          <a:prstGeom prst="rect">
+            <a:avLst/>
+          </a:prstGeom>
+          <a:noFill/>
+          <a:ln w="9525">
+            <a:noFill/>
+          </a:ln>
+        </p:spPr>
+      </p:pic>
     </p:spTree>
   </p:cSld>
   <p:clrMapOvr>
